--- a/Prokarma/LearningDepartment.pptx
+++ b/Prokarma/LearningDepartment.pptx
@@ -8,9 +8,9 @@
   <p:sldIdLst>
     <p:sldId id="256" r:id="rId6"/>
     <p:sldId id="274" r:id="rId7"/>
-    <p:sldId id="320" r:id="rId8"/>
-    <p:sldId id="283" r:id="rId9"/>
-    <p:sldId id="288" r:id="rId10"/>
+    <p:sldId id="322" r:id="rId8"/>
+    <p:sldId id="325" r:id="rId9"/>
+    <p:sldId id="324" r:id="rId10"/>
     <p:sldId id="289" r:id="rId11"/>
     <p:sldId id="290" r:id="rId12"/>
     <p:sldId id="309" r:id="rId13"/>
@@ -7637,7 +7637,7 @@
                 <a:ea typeface="+mj-ea"/>
                 <a:cs typeface="+mj-cs"/>
               </a:rPr>
-              <a:t>- Anil Sakala</a:t>
+              <a:t> Anil Sakala</a:t>
             </a:r>
             <a:endParaRPr lang="en-US" sz="2000" b="1" dirty="0">
               <a:solidFill>
@@ -7817,7 +7817,17 @@
             </a:pPr>
             <a:r>
               <a:rPr lang="en-IN" sz="1500" dirty="0" smtClean="0"/>
-              <a:t>Number of employees requested</a:t>
+              <a:t>Requestor name</a:t>
+            </a:r>
+          </a:p>
+          <a:p>
+            <a:pPr lvl="1">
+              <a:buFont typeface="Wingdings" pitchFamily="2" charset="2"/>
+              <a:buChar char="ü"/>
+            </a:pPr>
+            <a:r>
+              <a:rPr lang="en-IN" sz="1500" dirty="0" smtClean="0"/>
+              <a:t>Vote button</a:t>
             </a:r>
           </a:p>
           <a:p>
@@ -7943,7 +7953,7 @@
             </a:pPr>
             <a:r>
               <a:rPr lang="en-US" sz="1500" dirty="0" smtClean="0"/>
-              <a:t>Minimum take</a:t>
+              <a:t>Minimum time for session</a:t>
             </a:r>
           </a:p>
           <a:p>
@@ -8097,6 +8107,16 @@
               <a:buFont typeface="Wingdings" pitchFamily="2" charset="2"/>
               <a:buChar char="ü"/>
             </a:pPr>
+            <a:r>
+              <a:rPr lang="en-US" sz="1800" dirty="0" smtClean="0"/>
+              <a:t>Talk to trainers is another way of appreciating employees</a:t>
+            </a:r>
+          </a:p>
+          <a:p>
+            <a:pPr>
+              <a:buFont typeface="Wingdings" pitchFamily="2" charset="2"/>
+              <a:buChar char="ü"/>
+            </a:pPr>
             <a:endParaRPr lang="en-US" sz="1800" dirty="0" smtClean="0"/>
           </a:p>
           <a:p>
@@ -9025,22 +9045,20 @@
           <a:lstStyle/>
           <a:p>
             <a:r>
-              <a:rPr lang="en-US" sz="1600" dirty="0" smtClean="0"/>
-              <a:t>Final Goal</a:t>
-            </a:r>
-            <a:endParaRPr lang="en-US" sz="1600" dirty="0"/>
+              <a:rPr lang="en-US" sz="2000" b="1" dirty="0" smtClean="0"/>
+              <a:t>Expectations</a:t>
+            </a:r>
+            <a:endParaRPr lang="en-US" sz="2000" b="1" dirty="0"/>
           </a:p>
         </p:txBody>
       </p:sp>
       <p:pic>
         <p:nvPicPr>
-          <p:cNvPr id="1026" name="Picture 2"/>
+          <p:cNvPr id="2051" name="Picture 3"/>
           <p:cNvPicPr>
-            <a:picLocks noGrp="1" noChangeAspect="1" noChangeArrowheads="1"/>
+            <a:picLocks noChangeAspect="1" noChangeArrowheads="1"/>
           </p:cNvPicPr>
-          <p:nvPr>
-            <p:ph sz="quarter" idx="1"/>
-          </p:nvPr>
+          <p:nvPr/>
         </p:nvPicPr>
         <p:blipFill>
           <a:blip r:embed="rId2" cstate="print"/>
@@ -9051,8 +9069,8 @@
         </p:blipFill>
         <p:spPr bwMode="auto">
           <a:xfrm>
-            <a:off x="1295400" y="2514600"/>
-            <a:ext cx="5638800" cy="2108200"/>
+            <a:off x="381000" y="3200400"/>
+            <a:ext cx="8500533" cy="1447800"/>
           </a:xfrm>
           <a:prstGeom prst="rect">
             <a:avLst/>
@@ -9119,194 +9137,45 @@
           <a:lstStyle/>
           <a:p>
             <a:r>
-              <a:rPr lang="en-US" sz="1600" b="1" dirty="0" smtClean="0"/>
-              <a:t>Concerns with current training department</a:t>
-            </a:r>
-            <a:r>
-              <a:rPr lang="en-US" sz="1600" dirty="0"/>
-              <a:t>	</a:t>
-            </a:r>
-          </a:p>
-        </p:txBody>
-      </p:sp>
-      <p:sp>
-        <p:nvSpPr>
-          <p:cNvPr id="25603" name="Rectangle 3"/>
-          <p:cNvSpPr>
-            <a:spLocks noGrp="1" noChangeArrowheads="1"/>
-          </p:cNvSpPr>
-          <p:nvPr>
-            <p:ph sz="quarter" idx="1"/>
-          </p:nvPr>
-        </p:nvSpPr>
-        <p:spPr>
+              <a:rPr lang="en-US" sz="2000" b="1" dirty="0" smtClean="0"/>
+              <a:t>Current State</a:t>
+            </a:r>
+            <a:endParaRPr lang="en-US" sz="2000" b="1" dirty="0"/>
+          </a:p>
+        </p:txBody>
+      </p:sp>
+      <p:pic>
+        <p:nvPicPr>
+          <p:cNvPr id="1027" name="Picture 3"/>
+          <p:cNvPicPr>
+            <a:picLocks noChangeAspect="1" noChangeArrowheads="1"/>
+          </p:cNvPicPr>
+          <p:nvPr/>
+        </p:nvPicPr>
+        <p:blipFill>
+          <a:blip r:embed="rId2" cstate="print"/>
+          <a:srcRect/>
+          <a:stretch>
+            <a:fillRect/>
+          </a:stretch>
+        </p:blipFill>
+        <p:spPr bwMode="auto">
           <a:xfrm>
-            <a:off x="612648" y="1981200"/>
-            <a:ext cx="7693152" cy="4114800"/>
+            <a:off x="152400" y="2743200"/>
+            <a:ext cx="8839200" cy="2286000"/>
           </a:xfrm>
+          <a:prstGeom prst="rect">
+            <a:avLst/>
+          </a:prstGeom>
+          <a:noFill/>
+          <a:ln w="9525">
+            <a:noFill/>
+            <a:miter lim="800000"/>
+            <a:headEnd/>
+            <a:tailEnd/>
+          </a:ln>
         </p:spPr>
-        <p:txBody>
-          <a:bodyPr>
-            <a:noAutofit/>
-          </a:bodyPr>
-          <a:lstStyle/>
-          <a:p>
-            <a:pPr>
-              <a:buFont typeface="Wingdings" pitchFamily="2" charset="2"/>
-              <a:buChar char="ü"/>
-            </a:pPr>
-            <a:r>
-              <a:rPr lang="en-US" sz="1400" dirty="0" smtClean="0"/>
-              <a:t>I have taken one session in the recent past and there is no feedback on it</a:t>
-            </a:r>
-          </a:p>
-          <a:p>
-            <a:pPr>
-              <a:buFont typeface="Wingdings" pitchFamily="2" charset="2"/>
-              <a:buChar char="ü"/>
-            </a:pPr>
-            <a:r>
-              <a:rPr lang="en-US" sz="1400" dirty="0" smtClean="0"/>
-              <a:t>I found lot of guys coming to me asking for presentation that I have made . They are not sure where these presentations are going and who is using them</a:t>
-            </a:r>
-          </a:p>
-          <a:p>
-            <a:pPr>
-              <a:buFont typeface="Wingdings" pitchFamily="2" charset="2"/>
-              <a:buChar char="ü"/>
-            </a:pPr>
-            <a:r>
-              <a:rPr lang="en-US" sz="1400" dirty="0" smtClean="0"/>
-              <a:t>Lot of employees ask me for presentations that I have made in the past and I am not sure where they are ?</a:t>
-            </a:r>
-          </a:p>
-          <a:p>
-            <a:pPr>
-              <a:buFont typeface="Wingdings" pitchFamily="2" charset="2"/>
-              <a:buChar char="ü"/>
-            </a:pPr>
-            <a:r>
-              <a:rPr lang="en-US" sz="1400" dirty="0" smtClean="0"/>
-              <a:t>Can any department tell how many presentations I have made , quality of presentations ?</a:t>
-            </a:r>
-          </a:p>
-          <a:p>
-            <a:pPr>
-              <a:buFont typeface="Wingdings" pitchFamily="2" charset="2"/>
-              <a:buChar char="ü"/>
-            </a:pPr>
-            <a:r>
-              <a:rPr lang="en-US" sz="1400" dirty="0" smtClean="0"/>
-              <a:t>Do you recognize efforts put down by a person to make a presentation so that he will repeat the act .</a:t>
-            </a:r>
-          </a:p>
-          <a:p>
-            <a:pPr>
-              <a:buFont typeface="Wingdings" pitchFamily="2" charset="2"/>
-              <a:buChar char="ü"/>
-            </a:pPr>
-            <a:r>
-              <a:rPr lang="en-US" sz="1400" dirty="0" smtClean="0"/>
-              <a:t>I want to do PMP certification and if I approach learning department can they point me to a mentor who will help me in fulfilling my goal</a:t>
-            </a:r>
-          </a:p>
-          <a:p>
-            <a:pPr>
-              <a:buFont typeface="Wingdings" pitchFamily="2" charset="2"/>
-              <a:buChar char="ü"/>
-            </a:pPr>
-            <a:r>
-              <a:rPr lang="en-US" sz="1400" dirty="0" smtClean="0"/>
-              <a:t>As of today quality of sessions is extremely poor (especially Friday sessions) because of which trainers and listeners both of them lost interest in training department</a:t>
-            </a:r>
-          </a:p>
-          <a:p>
-            <a:pPr>
-              <a:buFont typeface="Wingdings" pitchFamily="2" charset="2"/>
-              <a:buChar char="ü"/>
-            </a:pPr>
-            <a:r>
-              <a:rPr lang="en-US" sz="1400" dirty="0" smtClean="0"/>
-              <a:t>I came across an excellent article </a:t>
-            </a:r>
-            <a:r>
-              <a:rPr lang="en-US" sz="1400" dirty="0" smtClean="0"/>
-              <a:t>, how </a:t>
-            </a:r>
-            <a:r>
-              <a:rPr lang="en-US" sz="1400" dirty="0" smtClean="0"/>
-              <a:t>can I share it with whole prokarma ?</a:t>
-            </a:r>
-          </a:p>
-          <a:p>
-            <a:pPr>
-              <a:buFont typeface="Wingdings" pitchFamily="2" charset="2"/>
-              <a:buChar char="ü"/>
-            </a:pPr>
-            <a:r>
-              <a:rPr lang="en-US" sz="1400" dirty="0" smtClean="0"/>
-              <a:t>I came across an excellent online video content </a:t>
-            </a:r>
-            <a:r>
-              <a:rPr lang="en-US" sz="1400" dirty="0" smtClean="0"/>
-              <a:t> </a:t>
-            </a:r>
-            <a:r>
-              <a:rPr lang="en-US" sz="1400" dirty="0" smtClean="0"/>
-              <a:t>,</a:t>
-            </a:r>
-            <a:r>
-              <a:rPr lang="en-US" sz="1400" dirty="0" smtClean="0"/>
-              <a:t>h</a:t>
-            </a:r>
-            <a:r>
-              <a:rPr lang="en-US" sz="1400" dirty="0" smtClean="0"/>
-              <a:t>ow </a:t>
-            </a:r>
-            <a:r>
-              <a:rPr lang="en-US" sz="1400" dirty="0" smtClean="0"/>
-              <a:t>can I share with </a:t>
-            </a:r>
-            <a:r>
-              <a:rPr lang="en-US" sz="1400" dirty="0" smtClean="0"/>
-              <a:t>whole </a:t>
-            </a:r>
-            <a:r>
-              <a:rPr lang="en-US" sz="1400" dirty="0" err="1" smtClean="0"/>
-              <a:t>prokarma</a:t>
-            </a:r>
-            <a:r>
-              <a:rPr lang="en-US" sz="1400" dirty="0" smtClean="0"/>
-              <a:t> ?</a:t>
-            </a:r>
-            <a:endParaRPr lang="en-US" sz="1400" dirty="0" smtClean="0"/>
-          </a:p>
-          <a:p>
-            <a:pPr>
-              <a:buFont typeface="Wingdings" pitchFamily="2" charset="2"/>
-              <a:buChar char="ü"/>
-            </a:pPr>
-            <a:r>
-              <a:rPr lang="en-US" sz="1400" dirty="0" smtClean="0"/>
-              <a:t>I never approached training department hoping they will empower me to new levels .</a:t>
-            </a:r>
-          </a:p>
-          <a:p>
-            <a:pPr>
-              <a:buFont typeface="Wingdings" pitchFamily="2" charset="2"/>
-              <a:buChar char="ü"/>
-            </a:pPr>
-            <a:endParaRPr lang="en-US" sz="1400" dirty="0"/>
-          </a:p>
-          <a:p>
-            <a:pPr>
-              <a:buFont typeface="Wingdings" pitchFamily="2" charset="2"/>
-              <a:buChar char="ü"/>
-            </a:pPr>
-            <a:endParaRPr lang="en-US" sz="1400" dirty="0"/>
-          </a:p>
-        </p:txBody>
-      </p:sp>
+      </p:pic>
     </p:spTree>
   </p:cSld>
   <p:clrMapOvr>
@@ -9344,33 +9213,61 @@
       </p:grpSpPr>
       <p:sp>
         <p:nvSpPr>
-          <p:cNvPr id="25603" name="Rectangle 3"/>
+          <p:cNvPr id="25602" name="Rectangle 2"/>
           <p:cNvSpPr>
             <a:spLocks noGrp="1" noChangeArrowheads="1"/>
           </p:cNvSpPr>
           <p:nvPr>
-            <p:ph sz="quarter" idx="1"/>
-          </p:nvPr>
-        </p:nvSpPr>
-        <p:spPr>
-          <a:xfrm>
-            <a:off x="533400" y="2057400"/>
-            <a:ext cx="7467600" cy="3657600"/>
-          </a:xfrm>
-        </p:spPr>
+            <p:ph type="title"/>
+          </p:nvPr>
+        </p:nvSpPr>
+        <p:spPr/>
         <p:txBody>
           <a:bodyPr>
             <a:normAutofit/>
           </a:bodyPr>
           <a:lstStyle/>
           <a:p>
+            <a:r>
+              <a:rPr lang="en-US" sz="1600" b="1" dirty="0" smtClean="0"/>
+              <a:t>Concerns with current training department</a:t>
+            </a:r>
+            <a:r>
+              <a:rPr lang="en-US" sz="1600" dirty="0"/>
+              <a:t>	</a:t>
+            </a:r>
+          </a:p>
+        </p:txBody>
+      </p:sp>
+      <p:sp>
+        <p:nvSpPr>
+          <p:cNvPr id="25603" name="Rectangle 3"/>
+          <p:cNvSpPr>
+            <a:spLocks noGrp="1" noChangeArrowheads="1"/>
+          </p:cNvSpPr>
+          <p:nvPr>
+            <p:ph sz="quarter" idx="1"/>
+          </p:nvPr>
+        </p:nvSpPr>
+        <p:spPr>
+          <a:xfrm>
+            <a:off x="612648" y="1981200"/>
+            <a:ext cx="7693152" cy="4114800"/>
+          </a:xfrm>
+        </p:spPr>
+        <p:txBody>
+          <a:bodyPr>
+            <a:noAutofit/>
+          </a:bodyPr>
+          <a:lstStyle/>
+          <a:p>
             <a:pPr>
               <a:buFont typeface="Wingdings" pitchFamily="2" charset="2"/>
               <a:buChar char="ü"/>
             </a:pPr>
             <a:r>
               <a:rPr lang="en-US" sz="1400" dirty="0" smtClean="0"/>
-              <a:t>Create wiki space</a:t>
+              <a:t>I have taken one session in the recent past and there is no feedback on it</a:t>
             </a:r>
           </a:p>
           <a:p>
@@ -9380,7 +9277,7 @@
             </a:pPr>
             <a:r>
               <a:rPr lang="en-US" sz="1400" dirty="0" smtClean="0"/>
-              <a:t>Set high expectations and sell your expectations to existing and new employees . </a:t>
+              <a:t>I found lot of guys coming to me asking for presentation that I have made . They are not sure where these presentations are going and who is using them</a:t>
             </a:r>
           </a:p>
           <a:p>
@@ -9390,7 +9287,7 @@
             </a:pPr>
             <a:r>
               <a:rPr lang="en-US" sz="1400" dirty="0" smtClean="0"/>
-              <a:t>Create confidence in employees about learning &amp; training department</a:t>
+              <a:t>Lot of employees ask me for presentations that I have made in the past and I am not sure where they are ?</a:t>
             </a:r>
           </a:p>
           <a:p>
@@ -9400,7 +9297,7 @@
             </a:pPr>
             <a:r>
               <a:rPr lang="en-US" sz="1400" dirty="0" smtClean="0"/>
-              <a:t>Recognize and award people to create good trainers and mentors</a:t>
+              <a:t>Can any department tell how many presentations I have made , quality of presentations ?</a:t>
             </a:r>
           </a:p>
           <a:p>
@@ -9409,12 +9306,8 @@
               <a:buChar char="ü"/>
             </a:pPr>
             <a:r>
-              <a:rPr lang="en-US" sz="1400" b="1" dirty="0" smtClean="0"/>
-              <a:t>Note</a:t>
-            </a:r>
-            <a:r>
               <a:rPr lang="en-US" sz="1400" dirty="0" smtClean="0"/>
-              <a:t> : By the time I complete this presentation you will understand clearly how to address all these problems .</a:t>
+              <a:t>Do you recognize efforts put down by a person to make a presentation so that he will repeat the act .</a:t>
             </a:r>
           </a:p>
           <a:p>
@@ -9422,39 +9315,72 @@
               <a:buFont typeface="Wingdings" pitchFamily="2" charset="2"/>
               <a:buChar char="ü"/>
             </a:pPr>
-            <a:endParaRPr lang="en-US" dirty="0" smtClean="0"/>
+            <a:r>
+              <a:rPr lang="en-US" sz="1400" dirty="0" smtClean="0"/>
+              <a:t>I want to do PMP certification and if I approach learning department can they point me to a mentor who will help me in fulfilling my goal</a:t>
+            </a:r>
           </a:p>
           <a:p>
             <a:pPr>
               <a:buFont typeface="Wingdings" pitchFamily="2" charset="2"/>
               <a:buChar char="ü"/>
             </a:pPr>
-            <a:endParaRPr lang="en-US" dirty="0"/>
-          </a:p>
-        </p:txBody>
-      </p:sp>
-      <p:sp>
-        <p:nvSpPr>
-          <p:cNvPr id="7" name="Title 6"/>
-          <p:cNvSpPr>
-            <a:spLocks noGrp="1"/>
-          </p:cNvSpPr>
-          <p:nvPr>
-            <p:ph type="title"/>
-          </p:nvPr>
-        </p:nvSpPr>
-        <p:spPr/>
-        <p:txBody>
-          <a:bodyPr>
-            <a:normAutofit/>
-          </a:bodyPr>
-          <a:lstStyle/>
-          <a:p>
-            <a:r>
-              <a:rPr lang="en-US" sz="1600" b="1" dirty="0" smtClean="0"/>
-              <a:t>Four simple steps to fix above problems</a:t>
-            </a:r>
-            <a:endParaRPr lang="en-US" sz="1600" b="1" dirty="0"/>
+            <a:r>
+              <a:rPr lang="en-US" sz="1400" dirty="0" smtClean="0"/>
+              <a:t>As of today quality of sessions is extremely poor (especially Friday sessions) because of which trainers and listeners both of them lost interest in training department</a:t>
+            </a:r>
+          </a:p>
+          <a:p>
+            <a:pPr>
+              <a:buFont typeface="Wingdings" pitchFamily="2" charset="2"/>
+              <a:buChar char="ü"/>
+            </a:pPr>
+            <a:r>
+              <a:rPr lang="en-US" sz="1400" dirty="0" smtClean="0"/>
+              <a:t>I came across an excellent article , how can I share it with whole prokarma ?</a:t>
+            </a:r>
+          </a:p>
+          <a:p>
+            <a:pPr>
+              <a:buFont typeface="Wingdings" pitchFamily="2" charset="2"/>
+              <a:buChar char="ü"/>
+            </a:pPr>
+            <a:r>
+              <a:rPr lang="en-US" sz="1400" dirty="0" smtClean="0"/>
+              <a:t>I came across an excellent online video content  ,how can I share with whole </a:t>
+            </a:r>
+            <a:r>
+              <a:rPr lang="en-US" sz="1400" dirty="0" err="1" smtClean="0"/>
+              <a:t>prokarma</a:t>
+            </a:r>
+            <a:r>
+              <a:rPr lang="en-US" sz="1400" dirty="0" smtClean="0"/>
+              <a:t> ?</a:t>
+            </a:r>
+          </a:p>
+          <a:p>
+            <a:pPr>
+              <a:buFont typeface="Wingdings" pitchFamily="2" charset="2"/>
+              <a:buChar char="ü"/>
+            </a:pPr>
+            <a:r>
+              <a:rPr lang="en-US" sz="1400" dirty="0" smtClean="0"/>
+              <a:t>I never approached training department hoping they will empower me to new levels .</a:t>
+            </a:r>
+          </a:p>
+          <a:p>
+            <a:pPr>
+              <a:buFont typeface="Wingdings" pitchFamily="2" charset="2"/>
+              <a:buChar char="ü"/>
+            </a:pPr>
+            <a:endParaRPr lang="en-US" sz="1400" dirty="0"/>
+          </a:p>
+          <a:p>
+            <a:pPr>
+              <a:buFont typeface="Wingdings" pitchFamily="2" charset="2"/>
+              <a:buChar char="ü"/>
+            </a:pPr>
+            <a:endParaRPr lang="en-US" sz="1400" dirty="0"/>
           </a:p>
         </p:txBody>
       </p:sp>
@@ -9495,9 +9421,9 @@
       </p:grpSpPr>
       <p:sp>
         <p:nvSpPr>
-          <p:cNvPr id="25602" name="Rectangle 2"/>
-          <p:cNvSpPr>
-            <a:spLocks noGrp="1" noChangeArrowheads="1"/>
+          <p:cNvPr id="2" name="Title 1"/>
+          <p:cNvSpPr>
+            <a:spLocks noGrp="1"/>
           </p:cNvSpPr>
           <p:nvPr>
             <p:ph type="title"/>
@@ -9511,10 +9437,10 @@
           <a:lstStyle/>
           <a:p>
             <a:r>
-              <a:rPr lang="en-US" sz="2000" b="1" dirty="0" smtClean="0"/>
-              <a:t>Wiki Space (Add library)</a:t>
-            </a:r>
-            <a:endParaRPr lang="en-US" sz="2000" b="1" dirty="0"/>
+              <a:rPr lang="en-IN" sz="1800" b="1" dirty="0" smtClean="0"/>
+              <a:t>How can we fix above problems (https://wiki.prokarma.com/display/UPD/Temp)</a:t>
+            </a:r>
+            <a:endParaRPr lang="en-IN" sz="1800" b="1" dirty="0"/>
           </a:p>
         </p:txBody>
       </p:sp>
@@ -9522,11 +9448,9 @@
         <p:nvPicPr>
           <p:cNvPr id="1026" name="Picture 2"/>
           <p:cNvPicPr>
-            <a:picLocks noGrp="1" noChangeAspect="1" noChangeArrowheads="1"/>
+            <a:picLocks noChangeAspect="1" noChangeArrowheads="1"/>
           </p:cNvPicPr>
-          <p:nvPr>
-            <p:ph sz="quarter" idx="1"/>
-          </p:nvPr>
+          <p:nvPr/>
         </p:nvPicPr>
         <p:blipFill>
           <a:blip r:embed="rId2" cstate="print"/>
@@ -9537,8 +9461,8 @@
         </p:blipFill>
         <p:spPr bwMode="auto">
           <a:xfrm>
-            <a:off x="685800" y="1752600"/>
-            <a:ext cx="7998925" cy="4572000"/>
+            <a:off x="0" y="1447800"/>
+            <a:ext cx="8924908" cy="5410200"/>
           </a:xfrm>
           <a:prstGeom prst="rect">
             <a:avLst/>
@@ -9560,13 +9484,6 @@
   <p:transition spd="slow">
     <p:wedge/>
   </p:transition>
-  <p:timing>
-    <p:tnLst>
-      <p:par>
-        <p:cTn id="1" dur="indefinite" restart="never" nodeType="tmRoot"/>
-      </p:par>
-    </p:tnLst>
-  </p:timing>
 </p:sld>
 </file>
 
@@ -9630,7 +9547,7 @@
         </p:spPr>
         <p:txBody>
           <a:bodyPr>
-            <a:normAutofit lnSpcReduction="10000"/>
+            <a:normAutofit/>
           </a:bodyPr>
           <a:lstStyle/>
           <a:p>
@@ -9779,7 +9696,7 @@
         <p:spPr>
           <a:xfrm>
             <a:off x="612648" y="1828800"/>
-            <a:ext cx="7693152" cy="3581400"/>
+            <a:ext cx="7693152" cy="3886200"/>
           </a:xfrm>
         </p:spPr>
         <p:txBody>
@@ -9883,6 +9800,16 @@
             <a:r>
               <a:rPr lang="en-US" sz="1500" dirty="0" smtClean="0"/>
               <a:t> )</a:t>
+            </a:r>
+          </a:p>
+          <a:p>
+            <a:pPr lvl="1">
+              <a:buFont typeface="Wingdings" pitchFamily="2" charset="2"/>
+              <a:buChar char="ü"/>
+            </a:pPr>
+            <a:r>
+              <a:rPr lang="en-US" sz="1500" dirty="0" smtClean="0"/>
+              <a:t>Is manager approval required</a:t>
             </a:r>
           </a:p>
           <a:p>
@@ -10166,7 +10093,7 @@
         </p:spPr>
         <p:txBody>
           <a:bodyPr>
-            <a:normAutofit fontScale="92500" lnSpcReduction="20000"/>
+            <a:normAutofit fontScale="85000" lnSpcReduction="10000"/>
           </a:bodyPr>
           <a:lstStyle/>
           <a:p>
@@ -10276,15 +10203,17 @@
             </a:pPr>
             <a:r>
               <a:rPr lang="en-US" sz="1500" dirty="0" smtClean="0"/>
-              <a:t>Link that points to all the feedback received without names (Should be accessed only </a:t>
-            </a:r>
-            <a:r>
-              <a:rPr lang="en-US" sz="1500" smtClean="0"/>
-              <a:t>by presenter </a:t>
-            </a:r>
-            <a:r>
-              <a:rPr lang="en-US" sz="1500" dirty="0" smtClean="0"/>
-              <a:t>)</a:t>
+              <a:t>Link that points to all the feedback received without names (Should be accessed only by presenter )</a:t>
+            </a:r>
+          </a:p>
+          <a:p>
+            <a:pPr>
+              <a:buFont typeface="Wingdings" pitchFamily="2" charset="2"/>
+              <a:buChar char="ü"/>
+            </a:pPr>
+            <a:r>
+              <a:rPr lang="en-US" sz="1800" dirty="0" smtClean="0"/>
+              <a:t>People come on weekends and do we really recognize them.</a:t>
             </a:r>
           </a:p>
           <a:p>
@@ -11127,12 +11056,9 @@
 </file>
 
 <file path=customXml/item1.xml><?xml version="1.0" encoding="utf-8"?>
-<?mso-contentType ?>
-<FormTemplates xmlns="http://schemas.microsoft.com/sharepoint/v3/contenttype/forms">
-  <Display>DocumentLibraryForm</Display>
-  <Edit>DocumentLibraryForm</Edit>
-  <New>DocumentLibraryForm</New>
-</FormTemplates>
+<p:properties xmlns:p="http://schemas.microsoft.com/office/2006/metadata/properties" xmlns:xsi="http://www.w3.org/2001/XMLSchema-instance" xmlns:pc="http://schemas.microsoft.com/office/infopath/2007/PartnerControls">
+  <documentManagement/>
+</p:properties>
 </file>
 
 <file path=customXml/item2.xml><?xml version="1.0" encoding="utf-8"?>
@@ -11276,15 +11202,19 @@
 </file>
 
 <file path=customXml/item3.xml><?xml version="1.0" encoding="utf-8"?>
-<p:properties xmlns:p="http://schemas.microsoft.com/office/2006/metadata/properties" xmlns:xsi="http://www.w3.org/2001/XMLSchema-instance" xmlns:pc="http://schemas.microsoft.com/office/infopath/2007/PartnerControls">
-  <documentManagement/>
-</p:properties>
+<?mso-contentType ?>
+<FormTemplates xmlns="http://schemas.microsoft.com/sharepoint/v3/contenttype/forms">
+  <Display>DocumentLibraryForm</Display>
+  <Edit>DocumentLibraryForm</Edit>
+  <New>DocumentLibraryForm</New>
+</FormTemplates>
 </file>
 
 <file path=customXml/itemProps1.xml><?xml version="1.0" encoding="utf-8"?>
-<ds:datastoreItem xmlns:ds="http://schemas.openxmlformats.org/officeDocument/2006/customXml" ds:itemID="{F7CCFA03-50CA-476E-8B8B-49D774F043AB}">
+<ds:datastoreItem xmlns:ds="http://schemas.openxmlformats.org/officeDocument/2006/customXml" ds:itemID="{1DA5CB71-27A8-4F27-B3EF-0B7C3FFAE0B8}">
   <ds:schemaRefs>
-    <ds:schemaRef ds:uri="http://schemas.microsoft.com/sharepoint/v3/contenttype/forms"/>
+    <ds:schemaRef ds:uri="http://schemas.microsoft.com/office/2006/metadata/properties"/>
+    <ds:schemaRef ds:uri="http://schemas.microsoft.com/office/infopath/2007/PartnerControls"/>
   </ds:schemaRefs>
 </ds:datastoreItem>
 </file>
@@ -11308,10 +11238,9 @@
 </file>
 
 <file path=customXml/itemProps3.xml><?xml version="1.0" encoding="utf-8"?>
-<ds:datastoreItem xmlns:ds="http://schemas.openxmlformats.org/officeDocument/2006/customXml" ds:itemID="{1DA5CB71-27A8-4F27-B3EF-0B7C3FFAE0B8}">
+<ds:datastoreItem xmlns:ds="http://schemas.openxmlformats.org/officeDocument/2006/customXml" ds:itemID="{F7CCFA03-50CA-476E-8B8B-49D774F043AB}">
   <ds:schemaRefs>
-    <ds:schemaRef ds:uri="http://schemas.microsoft.com/office/2006/metadata/properties"/>
-    <ds:schemaRef ds:uri="http://schemas.microsoft.com/office/infopath/2007/PartnerControls"/>
+    <ds:schemaRef ds:uri="http://schemas.microsoft.com/sharepoint/v3/contenttype/forms"/>
   </ds:schemaRefs>
 </ds:datastoreItem>
 </file>